--- a/Mission04_Study04_gyunam.pptx
+++ b/Mission04_Study04_gyunam.pptx
@@ -2,7 +2,7 @@
 <file path=ppt/presentation.xml><?xml version="1.0" encoding="utf-8"?>
 <p:presentation xmlns:r="http://schemas.openxmlformats.org/officeDocument/2006/relationships" xmlns:c="http://schemas.openxmlformats.org/drawingml/2006/chart" xmlns:a="http://schemas.openxmlformats.org/drawingml/2006/main" xmlns:dgm="http://schemas.openxmlformats.org/drawingml/2006/diagram" xmlns:dsp="http://schemas.microsoft.com/office/drawing/2008/diagram" xmlns:p="http://schemas.openxmlformats.org/presentationml/2006/main" saveSubsetFonts="1">
   <p:sldMasterIdLst>
-    <p:sldMasterId id="2147483664" r:id="rId1"/>
+    <p:sldMasterId id="2147483661" r:id="rId1"/>
   </p:sldMasterIdLst>
   <p:sldIdLst>
     <p:sldId id="256" r:id="rId2"/>
@@ -4604,8 +4604,58 @@
                   </a:outerShdw>
                 </a:effectLst>
               </a:rPr>
-              <a:t> 활용//dapi.kakao.com/v2/maps/sdk.js?appkey=fde81b6d8eb3568045814d9c551da984</a:t>
-            </a:r>
+              <a:t> 활용//dapi.kakao.com/v2/maps/sdk.js?appkey= </a:t>
+            </a:r>
+            <a:r>
+              <a:rPr xmlns:mc="http://schemas.openxmlformats.org/markup-compatibility/2006" xmlns:hp="http://schemas.haansoft.com/office/presentation/8.0" lang="en-US" altLang="ko-KR" sz="1300" b="1" mc:Ignorable="hp" hp:hslEmbossed="0">
+                <a:ln w="0"/>
+                <a:solidFill>
+                  <a:schemeClr val="tx1"/>
+                </a:solidFill>
+                <a:effectLst>
+                  <a:outerShdw blurRad="38100" dist="19050" dir="2700000" algn="tl" rotWithShape="0">
+                    <a:schemeClr val="dk1">
+                      <a:alpha val="40000"/>
+                    </a:schemeClr>
+                  </a:outerShdw>
+                </a:effectLst>
+              </a:rPr>
+              <a:t>;</a:t>
+            </a:r>
+            <a:r>
+              <a:rPr xmlns:mc="http://schemas.openxmlformats.org/markup-compatibility/2006" xmlns:hp="http://schemas.haansoft.com/office/presentation/8.0" lang="ko-KR" altLang="en-US" sz="1300" b="1" mc:Ignorable="hp" hp:hslEmbossed="0">
+                <a:ln w="0"/>
+                <a:solidFill>
+                  <a:schemeClr val="tx1"/>
+                </a:solidFill>
+                <a:effectLst>
+                  <a:outerShdw blurRad="38100" dist="19050" dir="2700000" algn="tl" rotWithShape="0">
+                    <a:schemeClr val="dk1">
+                      <a:alpha val="40000"/>
+                    </a:schemeClr>
+                  </a:outerShdw>
+                </a:effectLst>
+              </a:rPr>
+              <a:t> </a:t>
+            </a:r>
+            <a:endParaRPr xmlns:mc="http://schemas.openxmlformats.org/markup-compatibility/2006" xmlns:hp="http://schemas.haansoft.com/office/presentation/8.0" lang="ko-KR" altLang="en-US" sz="1300" b="1" mc:Ignorable="hp" hp:hslEmbossed="0">
+              <a:ln w="0"/>
+              <a:solidFill>
+                <a:schemeClr val="tx1"/>
+              </a:solidFill>
+              <a:effectLst>
+                <a:outerShdw blurRad="38100" dist="19050" dir="2700000" algn="tl" rotWithShape="0">
+                  <a:schemeClr val="dk1">
+                    <a:alpha val="40000"/>
+                  </a:schemeClr>
+                </a:outerShdw>
+              </a:effectLst>
+            </a:endParaRPr>
+          </a:p>
+          <a:p>
+            <a:pPr lvl="0">
+              <a:defRPr/>
+            </a:pPr>
             <a:endParaRPr xmlns:mc="http://schemas.openxmlformats.org/markup-compatibility/2006" xmlns:hp="http://schemas.haansoft.com/office/presentation/8.0" lang="ko-KR" altLang="en-US" sz="1300" b="1" mc:Ignorable="hp" hp:hslEmbossed="0">
               <a:ln w="0"/>
               <a:solidFill>
@@ -4805,7 +4855,7 @@
       </p:sp>
       <p:pic>
         <p:nvPicPr>
-          <p:cNvPr id="26" name=""/>
+          <p:cNvPr id="27" name=""/>
           <p:cNvPicPr>
             <a:picLocks noChangeAspect="1"/>
           </p:cNvPicPr>
@@ -4813,30 +4863,6 @@
         </p:nvPicPr>
         <p:blipFill rotWithShape="1">
           <a:blip r:embed="rId2"/>
-          <a:stretch>
-            <a:fillRect/>
-          </a:stretch>
-        </p:blipFill>
-        <p:spPr>
-          <a:xfrm>
-            <a:off x="809529" y="1735011"/>
-            <a:ext cx="4068562" cy="3743961"/>
-          </a:xfrm>
-          <a:prstGeom prst="rect">
-            <a:avLst/>
-          </a:prstGeom>
-        </p:spPr>
-      </p:pic>
-      <p:pic>
-        <p:nvPicPr>
-          <p:cNvPr id="27" name=""/>
-          <p:cNvPicPr>
-            <a:picLocks noChangeAspect="1"/>
-          </p:cNvPicPr>
-          <p:nvPr/>
-        </p:nvPicPr>
-        <p:blipFill rotWithShape="1">
-          <a:blip r:embed="rId3"/>
           <a:stretch>
             <a:fillRect/>
           </a:stretch>
@@ -4860,7 +4886,7 @@
           <p:nvPr/>
         </p:nvPicPr>
         <p:blipFill rotWithShape="1">
-          <a:blip r:embed="rId4"/>
+          <a:blip r:embed="rId3"/>
           <a:stretch>
             <a:fillRect/>
           </a:stretch>
@@ -4884,7 +4910,7 @@
           <p:nvPr/>
         </p:nvPicPr>
         <p:blipFill rotWithShape="1">
-          <a:blip r:embed="rId5"/>
+          <a:blip r:embed="rId4"/>
           <a:stretch>
             <a:fillRect/>
           </a:stretch>
@@ -4908,7 +4934,7 @@
           <p:nvPr/>
         </p:nvPicPr>
         <p:blipFill rotWithShape="1">
-          <a:blip r:embed="rId6"/>
+          <a:blip r:embed="rId5"/>
           <a:stretch>
             <a:fillRect/>
           </a:stretch>
@@ -5142,6 +5168,30 @@
           </a:p>
         </p:txBody>
       </p:sp>
+      <p:pic>
+        <p:nvPicPr>
+          <p:cNvPr id="43" name=""/>
+          <p:cNvPicPr>
+            <a:picLocks noChangeAspect="1"/>
+          </p:cNvPicPr>
+          <p:nvPr/>
+        </p:nvPicPr>
+        <p:blipFill rotWithShape="1">
+          <a:blip r:embed="rId6"/>
+          <a:stretch>
+            <a:fillRect/>
+          </a:stretch>
+        </p:blipFill>
+        <p:spPr>
+          <a:xfrm>
+            <a:off x="652712" y="1847814"/>
+            <a:ext cx="3849197" cy="3405561"/>
+          </a:xfrm>
+          <a:prstGeom prst="rect">
+            <a:avLst/>
+          </a:prstGeom>
+        </p:spPr>
+      </p:pic>
     </p:spTree>
   </p:cSld>
   <p:clrMapOvr>
